--- a/MIP/projekt 2 - prezentacia/Machacova_Andrasik_Prezentacia_k_teme_10.pptx
+++ b/MIP/projekt 2 - prezentacia/Machacova_Andrasik_Prezentacia_k_teme_10.pptx
@@ -3165,7 +3165,7 @@
           <a:p>
             <a:fld id="{86A6CEFD-03A7-4A61-B24F-D4660982194A}" type="datetimeFigureOut">
               <a:rPr lang="sk-SK" smtClean="0"/>
-              <a:t>2. 11. 2019</a:t>
+              <a:t>12. 11. 2019</a:t>
             </a:fld>
             <a:endParaRPr lang="sk-SK"/>
           </a:p>
@@ -3744,45 +3744,77 @@
               <a:defRPr/>
             </a:pPr>
             <a:r>
+              <a:rPr lang="sk-SK" b="0" dirty="0" err="1"/>
+              <a:t>Fake</a:t>
+            </a:r>
+            <a:r>
+              <a:rPr lang="sk-SK" b="0" dirty="0"/>
+              <a:t> News sú informácie, o ktorých ich </a:t>
+            </a:r>
+            <a:r>
               <a:rPr lang="sk-SK" b="1" dirty="0"/>
-              <a:t>čo sú to </a:t>
-            </a:r>
-            <a:r>
-              <a:rPr lang="sk-SK" dirty="0"/>
-              <a:t>falošné správy </a:t>
-            </a:r>
-            <a:r>
-              <a:rPr lang="sk-SK" sz="1200" kern="1200" dirty="0">
-                <a:solidFill>
-                  <a:srgbClr val="FF0000"/>
-                </a:solidFill>
-                <a:effectLst/>
-                <a:latin typeface="+mn-lt"/>
-                <a:ea typeface="+mn-ea"/>
-                <a:cs typeface="+mn-cs"/>
-              </a:rPr>
-              <a:t>&lt;------------------------- !!!</a:t>
-            </a:r>
-          </a:p>
-          <a:p>
-            <a:pPr marL="0" marR="0" lvl="0" indent="0" algn="l" defTabSz="914400" rtl="0" eaLnBrk="1" fontAlgn="auto" latinLnBrk="0" hangingPunct="1">
-              <a:lnSpc>
-                <a:spcPct val="100000"/>
-              </a:lnSpc>
-              <a:spcBef>
-                <a:spcPts val="0"/>
-              </a:spcBef>
-              <a:spcAft>
-                <a:spcPts val="0"/>
-              </a:spcAft>
-              <a:buClrTx/>
-              <a:buSzTx/>
-              <a:buFont typeface="Arial" panose="020B0604020202020204" pitchFamily="34" charset="0"/>
-              <a:buNone/>
-              <a:tabLst/>
-              <a:defRPr/>
-            </a:pPr>
-            <a:endParaRPr lang="sk-SK" dirty="0"/>
+              <a:t>prvotný šíriteľ </a:t>
+            </a:r>
+            <a:r>
+              <a:rPr lang="sk-SK" b="0" dirty="0"/>
+              <a:t>vie, že sa </a:t>
+            </a:r>
+            <a:r>
+              <a:rPr lang="sk-SK" b="1" dirty="0"/>
+              <a:t>nezakladajú na pravdivých skutočnostiach</a:t>
+            </a:r>
+            <a:r>
+              <a:rPr lang="sk-SK" b="0" dirty="0"/>
+              <a:t>.  Nie sú to reálne fakty, sú </a:t>
+            </a:r>
+            <a:r>
+              <a:rPr lang="sk-SK" b="1" dirty="0"/>
+              <a:t>nepravdivé a zavádzajúce</a:t>
+            </a:r>
+            <a:r>
+              <a:rPr lang="sk-SK" b="0" dirty="0"/>
+              <a:t>. Snažia sa </a:t>
+            </a:r>
+            <a:r>
+              <a:rPr lang="sk-SK" b="1" dirty="0"/>
+              <a:t>presvedčiť</a:t>
+            </a:r>
+            <a:r>
+              <a:rPr lang="sk-SK" b="0" dirty="0"/>
+              <a:t> čitateľa, prinútiť o kliknúť na odkaz a tým si zvýšiť </a:t>
+            </a:r>
+            <a:r>
+              <a:rPr lang="sk-SK" b="1" dirty="0"/>
+              <a:t>návštevnosť</a:t>
+            </a:r>
+            <a:r>
+              <a:rPr lang="sk-SK" b="0" dirty="0"/>
+              <a:t> stránky, zarobiť na reklamách, </a:t>
+            </a:r>
+            <a:r>
+              <a:rPr lang="sk-SK" b="1" dirty="0"/>
+              <a:t>kúpiť</a:t>
+            </a:r>
+            <a:r>
+              <a:rPr lang="sk-SK" b="0" dirty="0"/>
+              <a:t> </a:t>
+            </a:r>
+            <a:r>
+              <a:rPr lang="sk-SK" b="1" dirty="0"/>
+              <a:t>produkt</a:t>
+            </a:r>
+            <a:r>
+              <a:rPr lang="sk-SK" b="0" dirty="0"/>
+              <a:t>, stiahnuť </a:t>
+            </a:r>
+            <a:r>
+              <a:rPr lang="sk-SK" b="1" dirty="0"/>
+              <a:t>software</a:t>
+            </a:r>
+            <a:r>
+              <a:rPr lang="sk-SK" b="0" dirty="0"/>
+              <a:t>..</a:t>
+            </a:r>
           </a:p>
           <a:p>
             <a:pPr marL="171450" marR="0" lvl="0" indent="-171450" algn="l" defTabSz="914400" rtl="0" eaLnBrk="1" fontAlgn="auto" latinLnBrk="0" hangingPunct="1">
@@ -3802,119 +3834,7 @@
               <a:tabLst/>
               <a:defRPr/>
             </a:pPr>
-            <a:r>
-              <a:rPr lang="sk-SK" dirty="0"/>
-              <a:t>(</a:t>
-            </a:r>
-            <a:r>
-              <a:rPr lang="sk-SK" b="1" dirty="0" err="1"/>
-              <a:t>roz</a:t>
-            </a:r>
-            <a:r>
-              <a:rPr lang="sk-SK" sz="1200" b="1" kern="1200" dirty="0" err="1">
-                <a:solidFill>
-                  <a:schemeClr val="tx1"/>
-                </a:solidFill>
-                <a:effectLst/>
-                <a:latin typeface="+mn-lt"/>
-                <a:ea typeface="+mn-ea"/>
-                <a:cs typeface="+mn-cs"/>
-              </a:rPr>
-              <a:t>rozdiel</a:t>
-            </a:r>
-            <a:r>
-              <a:rPr lang="sk-SK" sz="1200" kern="1200" dirty="0">
-                <a:solidFill>
-                  <a:schemeClr val="tx1"/>
-                </a:solidFill>
-                <a:effectLst/>
-                <a:latin typeface="+mn-lt"/>
-                <a:ea typeface="+mn-ea"/>
-                <a:cs typeface="+mn-cs"/>
-              </a:rPr>
-              <a:t> medzi falošnými a </a:t>
-            </a:r>
-            <a:r>
-              <a:rPr lang="sk-SK" sz="1200" b="1" kern="1200" dirty="0">
-                <a:solidFill>
-                  <a:schemeClr val="tx1"/>
-                </a:solidFill>
-                <a:effectLst/>
-                <a:latin typeface="+mn-lt"/>
-                <a:ea typeface="+mn-ea"/>
-                <a:cs typeface="+mn-cs"/>
-              </a:rPr>
-              <a:t>reálnymi</a:t>
-            </a:r>
-            <a:r>
-              <a:rPr lang="sk-SK" sz="1200" kern="1200" dirty="0">
-                <a:solidFill>
-                  <a:schemeClr val="tx1"/>
-                </a:solidFill>
-                <a:effectLst/>
-                <a:latin typeface="+mn-lt"/>
-                <a:ea typeface="+mn-ea"/>
-                <a:cs typeface="+mn-cs"/>
-              </a:rPr>
-              <a:t> správami, resp. </a:t>
-            </a:r>
-            <a:r>
-              <a:rPr lang="sk-SK" sz="1200" b="1" kern="1200" dirty="0">
-                <a:solidFill>
-                  <a:schemeClr val="tx1"/>
-                </a:solidFill>
-                <a:effectLst/>
-                <a:latin typeface="+mn-lt"/>
-                <a:ea typeface="+mn-ea"/>
-                <a:cs typeface="+mn-cs"/>
-              </a:rPr>
-              <a:t>zdroje</a:t>
-            </a:r>
-            <a:r>
-              <a:rPr lang="sk-SK" sz="1200" kern="1200" dirty="0">
-                <a:solidFill>
-                  <a:schemeClr val="tx1"/>
-                </a:solidFill>
-                <a:effectLst/>
-                <a:latin typeface="+mn-lt"/>
-                <a:ea typeface="+mn-ea"/>
-                <a:cs typeface="+mn-cs"/>
-              </a:rPr>
-              <a:t>, ktoré ich publikujú </a:t>
-            </a:r>
-            <a:r>
-              <a:rPr lang="sk-SK" sz="1200" kern="1200" dirty="0">
-                <a:solidFill>
-                  <a:srgbClr val="FF0000"/>
-                </a:solidFill>
-                <a:effectLst/>
-                <a:latin typeface="+mn-lt"/>
-                <a:ea typeface="+mn-ea"/>
-                <a:cs typeface="+mn-cs"/>
-              </a:rPr>
-              <a:t>&lt;------------------------- !!!</a:t>
-            </a:r>
-            <a:endParaRPr lang="sk-SK" dirty="0"/>
-          </a:p>
-          <a:p>
-            <a:pPr marL="0" marR="0" lvl="0" indent="0" algn="l" defTabSz="914400" rtl="0" eaLnBrk="1" fontAlgn="auto" latinLnBrk="0" hangingPunct="1">
-              <a:lnSpc>
-                <a:spcPct val="100000"/>
-              </a:lnSpc>
-              <a:spcBef>
-                <a:spcPts val="0"/>
-              </a:spcBef>
-              <a:spcAft>
-                <a:spcPts val="0"/>
-              </a:spcAft>
-              <a:buClrTx/>
-              <a:buSzTx/>
-              <a:buFont typeface="Arial" panose="020B0604020202020204" pitchFamily="34" charset="0"/>
-              <a:buNone/>
-              <a:tabLst/>
-              <a:defRPr/>
-            </a:pPr>
-            <a:endParaRPr lang="sk-SK" sz="1200" kern="1200" dirty="0">
+            <a:endParaRPr lang="sk-SK" sz="1200" b="0" kern="1200" dirty="0">
               <a:solidFill>
                 <a:schemeClr val="tx1"/>
               </a:solidFill>
@@ -3943,7 +3863,7 @@
               <a:defRPr/>
             </a:pPr>
             <a:r>
-              <a:rPr lang="sk-SK" sz="1200" kern="1200" dirty="0">
+              <a:rPr lang="sk-SK" sz="1200" b="1" kern="1200" dirty="0">
                 <a:solidFill>
                   <a:schemeClr val="tx1"/>
                 </a:solidFill>
@@ -3952,10 +3872,10 @@
                 <a:ea typeface="+mn-ea"/>
                 <a:cs typeface="+mn-cs"/>
               </a:rPr>
-              <a:t>ich </a:t>
-            </a:r>
-            <a:r>
-              <a:rPr lang="sk-SK" sz="1200" b="1" u="sng" kern="1200" dirty="0">
+              <a:t>Rozdiel</a:t>
+            </a:r>
+            <a:r>
+              <a:rPr lang="sk-SK" sz="1200" b="0" kern="1200" dirty="0">
                 <a:solidFill>
                   <a:schemeClr val="tx1"/>
                 </a:solidFill>
@@ -3964,38 +3884,10 @@
                 <a:ea typeface="+mn-ea"/>
                 <a:cs typeface="+mn-cs"/>
               </a:rPr>
-              <a:t>zámer</a:t>
-            </a:r>
-            <a:endParaRPr lang="sk-SK" sz="1200" kern="1200" dirty="0">
-              <a:solidFill>
-                <a:schemeClr val="tx1"/>
-              </a:solidFill>
-              <a:effectLst/>
-              <a:latin typeface="+mn-lt"/>
-              <a:ea typeface="+mn-ea"/>
-              <a:cs typeface="+mn-cs"/>
-            </a:endParaRPr>
-          </a:p>
-          <a:p>
-            <a:pPr marL="171450" marR="0" lvl="0" indent="-171450" algn="l" defTabSz="914400" rtl="0" eaLnBrk="1" fontAlgn="auto" latinLnBrk="0" hangingPunct="1">
-              <a:lnSpc>
-                <a:spcPct val="100000"/>
-              </a:lnSpc>
-              <a:spcBef>
-                <a:spcPts val="0"/>
-              </a:spcBef>
-              <a:spcAft>
-                <a:spcPts val="0"/>
-              </a:spcAft>
-              <a:buClrTx/>
-              <a:buSzTx/>
-              <a:buFont typeface="Arial" panose="020B0604020202020204" pitchFamily="34" charset="0"/>
-              <a:buChar char="•"/>
-              <a:tabLst/>
-              <a:defRPr/>
-            </a:pPr>
-            <a:r>
-              <a:rPr lang="sk-SK" sz="1200" kern="1200" dirty="0">
+              <a:t> medzi zdrojmi falošných správ a reálnych je ten, že zdroje ako noviny sa snažia, aby informácie nimi prezentované boli </a:t>
+            </a:r>
+            <a:r>
+              <a:rPr lang="sk-SK" sz="1200" b="1" kern="1200" dirty="0">
                 <a:solidFill>
                   <a:schemeClr val="tx1"/>
                 </a:solidFill>
@@ -4004,7 +3896,19 @@
                 <a:ea typeface="+mn-ea"/>
                 <a:cs typeface="+mn-cs"/>
               </a:rPr>
-              <a:t>prečo </a:t>
+              <a:t>overené</a:t>
+            </a:r>
+            <a:r>
+              <a:rPr lang="sk-SK" sz="1200" b="0" kern="1200" dirty="0">
+                <a:solidFill>
+                  <a:schemeClr val="tx1"/>
+                </a:solidFill>
+                <a:effectLst/>
+                <a:latin typeface="+mn-lt"/>
+                <a:ea typeface="+mn-ea"/>
+                <a:cs typeface="+mn-cs"/>
+              </a:rPr>
+              <a:t>, kontrolujú zdroje a snažia sa dodržiavať </a:t>
             </a:r>
             <a:r>
               <a:rPr lang="sk-SK" sz="1200" b="1" kern="1200" dirty="0">
@@ -4016,10 +3920,10 @@
                 <a:ea typeface="+mn-ea"/>
                 <a:cs typeface="+mn-cs"/>
               </a:rPr>
-              <a:t>vznikajú</a:t>
-            </a:r>
-            <a:r>
-              <a:rPr lang="sk-SK" sz="1200" kern="1200" dirty="0">
+              <a:t>etický</a:t>
+            </a:r>
+            <a:r>
+              <a:rPr lang="sk-SK" sz="1200" b="0" kern="1200" dirty="0">
                 <a:solidFill>
                   <a:schemeClr val="tx1"/>
                 </a:solidFill>
@@ -4028,29 +3932,10 @@
                 <a:ea typeface="+mn-ea"/>
                 <a:cs typeface="+mn-cs"/>
               </a:rPr>
-              <a:t> falošné správy</a:t>
-            </a:r>
-          </a:p>
-          <a:p>
-            <a:pPr marL="171450" marR="0" lvl="0" indent="-171450" algn="l" defTabSz="914400" rtl="0" eaLnBrk="1" fontAlgn="auto" latinLnBrk="0" hangingPunct="1">
-              <a:lnSpc>
-                <a:spcPct val="100000"/>
-              </a:lnSpc>
-              <a:spcBef>
-                <a:spcPts val="0"/>
-              </a:spcBef>
-              <a:spcAft>
-                <a:spcPts val="0"/>
-              </a:spcAft>
-              <a:buClrTx/>
-              <a:buSzTx/>
-              <a:buFont typeface="Arial" panose="020B0604020202020204" pitchFamily="34" charset="0"/>
-              <a:buChar char="•"/>
-              <a:tabLst/>
-              <a:defRPr/>
-            </a:pPr>
-            <a:r>
-              <a:rPr lang="sk-SK" sz="1200" kern="1200" dirty="0">
+              <a:t> </a:t>
+            </a:r>
+            <a:r>
+              <a:rPr lang="sk-SK" sz="1200" b="1" kern="1200" dirty="0">
                 <a:solidFill>
                   <a:schemeClr val="tx1"/>
                 </a:solidFill>
@@ -4059,7 +3944,67 @@
                 <a:ea typeface="+mn-ea"/>
                 <a:cs typeface="+mn-cs"/>
               </a:rPr>
-              <a:t>(kedy začali vznikať?, </a:t>
+              <a:t>kódex</a:t>
+            </a:r>
+            <a:r>
+              <a:rPr lang="sk-SK" sz="1200" b="0" kern="1200" dirty="0">
+                <a:solidFill>
+                  <a:schemeClr val="tx1"/>
+                </a:solidFill>
+                <a:effectLst/>
+                <a:latin typeface="+mn-lt"/>
+                <a:ea typeface="+mn-ea"/>
+                <a:cs typeface="+mn-cs"/>
+              </a:rPr>
+              <a:t>, kým zdroje </a:t>
+            </a:r>
+            <a:r>
+              <a:rPr lang="sk-SK" sz="1200" b="0" kern="1200" dirty="0" err="1">
+                <a:solidFill>
+                  <a:schemeClr val="tx1"/>
+                </a:solidFill>
+                <a:effectLst/>
+                <a:latin typeface="+mn-lt"/>
+                <a:ea typeface="+mn-ea"/>
+                <a:cs typeface="+mn-cs"/>
+              </a:rPr>
+              <a:t>fake</a:t>
+            </a:r>
+            <a:r>
+              <a:rPr lang="sk-SK" sz="1200" b="0" kern="1200" dirty="0">
+                <a:solidFill>
+                  <a:schemeClr val="tx1"/>
+                </a:solidFill>
+                <a:effectLst/>
+                <a:latin typeface="+mn-lt"/>
+                <a:ea typeface="+mn-ea"/>
+                <a:cs typeface="+mn-cs"/>
+              </a:rPr>
+              <a:t> </a:t>
+            </a:r>
+            <a:r>
+              <a:rPr lang="sk-SK" sz="1200" b="0" kern="1200" dirty="0" err="1">
+                <a:solidFill>
+                  <a:schemeClr val="tx1"/>
+                </a:solidFill>
+                <a:effectLst/>
+                <a:latin typeface="+mn-lt"/>
+                <a:ea typeface="+mn-ea"/>
+                <a:cs typeface="+mn-cs"/>
+              </a:rPr>
+              <a:t>news</a:t>
+            </a:r>
+            <a:r>
+              <a:rPr lang="sk-SK" sz="1200" b="0" kern="1200" dirty="0">
+                <a:solidFill>
+                  <a:schemeClr val="tx1"/>
+                </a:solidFill>
+                <a:effectLst/>
+                <a:latin typeface="+mn-lt"/>
+                <a:ea typeface="+mn-ea"/>
+                <a:cs typeface="+mn-cs"/>
+              </a:rPr>
+              <a:t> sa čitateľa snažia </a:t>
             </a:r>
             <a:r>
               <a:rPr lang="sk-SK" sz="1200" b="1" kern="1200" dirty="0">
@@ -4071,10 +4016,10 @@
                 <a:ea typeface="+mn-ea"/>
                 <a:cs typeface="+mn-cs"/>
               </a:rPr>
-              <a:t>žltá žurnalistika</a:t>
-            </a:r>
-            <a:r>
-              <a:rPr lang="sk-SK" sz="1200" kern="1200" dirty="0">
+              <a:t>zámerne</a:t>
+            </a:r>
+            <a:r>
+              <a:rPr lang="sk-SK" sz="1200" b="0" kern="1200" dirty="0">
                 <a:solidFill>
                   <a:schemeClr val="tx1"/>
                 </a:solidFill>
@@ -4083,260 +4028,7 @@
                 <a:ea typeface="+mn-ea"/>
                 <a:cs typeface="+mn-cs"/>
               </a:rPr>
-              <a:t>)</a:t>
-            </a:r>
-          </a:p>
-          <a:p>
-            <a:pPr marL="0" marR="0" lvl="0" indent="0" algn="l" defTabSz="914400" rtl="0" eaLnBrk="1" fontAlgn="auto" latinLnBrk="0" hangingPunct="1">
-              <a:lnSpc>
-                <a:spcPct val="100000"/>
-              </a:lnSpc>
-              <a:spcBef>
-                <a:spcPts val="0"/>
-              </a:spcBef>
-              <a:spcAft>
-                <a:spcPts val="0"/>
-              </a:spcAft>
-              <a:buClrTx/>
-              <a:buSzTx/>
-              <a:buFont typeface="Arial" panose="020B0604020202020204" pitchFamily="34" charset="0"/>
-              <a:buNone/>
-              <a:tabLst/>
-              <a:defRPr/>
-            </a:pPr>
-            <a:endParaRPr lang="sk-SK" sz="1200" kern="1200" dirty="0">
-              <a:solidFill>
-                <a:schemeClr val="tx1"/>
-              </a:solidFill>
-              <a:effectLst/>
-              <a:latin typeface="+mn-lt"/>
-              <a:ea typeface="+mn-ea"/>
-              <a:cs typeface="+mn-cs"/>
-            </a:endParaRPr>
-          </a:p>
-          <a:p>
-            <a:pPr marL="171450" marR="0" lvl="0" indent="-171450" algn="l" defTabSz="914400" rtl="0" eaLnBrk="1" fontAlgn="auto" latinLnBrk="0" hangingPunct="1">
-              <a:lnSpc>
-                <a:spcPct val="100000"/>
-              </a:lnSpc>
-              <a:spcBef>
-                <a:spcPts val="0"/>
-              </a:spcBef>
-              <a:spcAft>
-                <a:spcPts val="0"/>
-              </a:spcAft>
-              <a:buClrTx/>
-              <a:buSzTx/>
-              <a:buFont typeface="Arial" panose="020B0604020202020204" pitchFamily="34" charset="0"/>
-              <a:buChar char="•"/>
-              <a:tabLst/>
-              <a:defRPr/>
-            </a:pPr>
-            <a:r>
-              <a:rPr lang="sk-SK" sz="1200" kern="1200" dirty="0">
-                <a:solidFill>
-                  <a:schemeClr val="tx1"/>
-                </a:solidFill>
-                <a:effectLst/>
-                <a:latin typeface="+mn-lt"/>
-                <a:ea typeface="+mn-ea"/>
-                <a:cs typeface="+mn-cs"/>
-              </a:rPr>
-              <a:t>ako sa </a:t>
-            </a:r>
-            <a:r>
-              <a:rPr lang="sk-SK" sz="1200" b="1" kern="1200" dirty="0">
-                <a:solidFill>
-                  <a:schemeClr val="tx1"/>
-                </a:solidFill>
-                <a:effectLst/>
-                <a:latin typeface="+mn-lt"/>
-                <a:ea typeface="+mn-ea"/>
-                <a:cs typeface="+mn-cs"/>
-              </a:rPr>
-              <a:t>šíria</a:t>
-            </a:r>
-          </a:p>
-          <a:p>
-            <a:pPr marL="171450" marR="0" lvl="0" indent="-171450" algn="l" defTabSz="914400" rtl="0" eaLnBrk="1" fontAlgn="auto" latinLnBrk="0" hangingPunct="1">
-              <a:lnSpc>
-                <a:spcPct val="100000"/>
-              </a:lnSpc>
-              <a:spcBef>
-                <a:spcPts val="0"/>
-              </a:spcBef>
-              <a:spcAft>
-                <a:spcPts val="0"/>
-              </a:spcAft>
-              <a:buClrTx/>
-              <a:buSzTx/>
-              <a:buFont typeface="Arial" panose="020B0604020202020204" pitchFamily="34" charset="0"/>
-              <a:buChar char="•"/>
-              <a:tabLst/>
-              <a:defRPr/>
-            </a:pPr>
-            <a:r>
-              <a:rPr lang="sk-SK" sz="1200" kern="1200" dirty="0">
-                <a:solidFill>
-                  <a:schemeClr val="tx1"/>
-                </a:solidFill>
-                <a:effectLst/>
-                <a:latin typeface="+mn-lt"/>
-                <a:ea typeface="+mn-ea"/>
-                <a:cs typeface="+mn-cs"/>
-              </a:rPr>
-              <a:t>čo je to „</a:t>
-            </a:r>
-            <a:r>
-              <a:rPr lang="sk-SK" sz="1200" kern="1200" dirty="0" err="1">
-                <a:solidFill>
-                  <a:schemeClr val="tx1"/>
-                </a:solidFill>
-                <a:effectLst/>
-                <a:latin typeface="+mn-lt"/>
-                <a:ea typeface="+mn-ea"/>
-                <a:cs typeface="+mn-cs"/>
-              </a:rPr>
-              <a:t>behavioral</a:t>
-            </a:r>
-            <a:r>
-              <a:rPr lang="sk-SK" sz="1200" kern="1200" dirty="0">
-                <a:solidFill>
-                  <a:schemeClr val="tx1"/>
-                </a:solidFill>
-                <a:effectLst/>
-                <a:latin typeface="+mn-lt"/>
-                <a:ea typeface="+mn-ea"/>
-                <a:cs typeface="+mn-cs"/>
-              </a:rPr>
-              <a:t> </a:t>
-            </a:r>
-            <a:r>
-              <a:rPr lang="sk-SK" sz="1200" kern="1200" dirty="0" err="1">
-                <a:solidFill>
-                  <a:schemeClr val="tx1"/>
-                </a:solidFill>
-                <a:effectLst/>
-                <a:latin typeface="+mn-lt"/>
-                <a:ea typeface="+mn-ea"/>
-                <a:cs typeface="+mn-cs"/>
-              </a:rPr>
-              <a:t>profiling</a:t>
-            </a:r>
-            <a:r>
-              <a:rPr lang="sk-SK" sz="1200" kern="1200" dirty="0">
-                <a:solidFill>
-                  <a:schemeClr val="tx1"/>
-                </a:solidFill>
-                <a:effectLst/>
-                <a:latin typeface="+mn-lt"/>
-                <a:ea typeface="+mn-ea"/>
-                <a:cs typeface="+mn-cs"/>
-              </a:rPr>
-              <a:t>“ a „</a:t>
-            </a:r>
-            <a:r>
-              <a:rPr lang="sk-SK" sz="1200" b="1" kern="1200" dirty="0" err="1">
-                <a:solidFill>
-                  <a:schemeClr val="tx1"/>
-                </a:solidFill>
-                <a:effectLst/>
-                <a:latin typeface="+mn-lt"/>
-                <a:ea typeface="+mn-ea"/>
-                <a:cs typeface="+mn-cs"/>
-              </a:rPr>
-              <a:t>social</a:t>
-            </a:r>
-            <a:r>
-              <a:rPr lang="sk-SK" sz="1200" b="1" kern="1200" dirty="0">
-                <a:solidFill>
-                  <a:schemeClr val="tx1"/>
-                </a:solidFill>
-                <a:effectLst/>
-                <a:latin typeface="+mn-lt"/>
-                <a:ea typeface="+mn-ea"/>
-                <a:cs typeface="+mn-cs"/>
-              </a:rPr>
-              <a:t> </a:t>
-            </a:r>
-            <a:r>
-              <a:rPr lang="sk-SK" sz="1200" b="1" kern="1200" dirty="0" err="1">
-                <a:solidFill>
-                  <a:schemeClr val="tx1"/>
-                </a:solidFill>
-                <a:effectLst/>
-                <a:latin typeface="+mn-lt"/>
-                <a:ea typeface="+mn-ea"/>
-                <a:cs typeface="+mn-cs"/>
-              </a:rPr>
-              <a:t>networking</a:t>
-            </a:r>
-            <a:r>
-              <a:rPr lang="sk-SK" sz="1200" b="1" kern="1200" dirty="0">
-                <a:solidFill>
-                  <a:schemeClr val="tx1"/>
-                </a:solidFill>
-                <a:effectLst/>
-                <a:latin typeface="+mn-lt"/>
-                <a:ea typeface="+mn-ea"/>
-                <a:cs typeface="+mn-cs"/>
-              </a:rPr>
-              <a:t>“</a:t>
-            </a:r>
-          </a:p>
-          <a:p>
-            <a:pPr marL="171450" marR="0" lvl="0" indent="-171450" algn="l" defTabSz="914400" rtl="0" eaLnBrk="1" fontAlgn="auto" latinLnBrk="0" hangingPunct="1">
-              <a:lnSpc>
-                <a:spcPct val="100000"/>
-              </a:lnSpc>
-              <a:spcBef>
-                <a:spcPts val="0"/>
-              </a:spcBef>
-              <a:spcAft>
-                <a:spcPts val="0"/>
-              </a:spcAft>
-              <a:buClrTx/>
-              <a:buSzTx/>
-              <a:buFont typeface="Arial" panose="020B0604020202020204" pitchFamily="34" charset="0"/>
-              <a:buChar char="•"/>
-              <a:tabLst/>
-              <a:defRPr/>
-            </a:pPr>
-            <a:r>
-              <a:rPr lang="sk-SK" sz="1200" kern="1200" dirty="0">
-                <a:solidFill>
-                  <a:schemeClr val="tx1"/>
-                </a:solidFill>
-                <a:effectLst/>
-                <a:latin typeface="+mn-lt"/>
-                <a:ea typeface="+mn-ea"/>
-                <a:cs typeface="+mn-cs"/>
-              </a:rPr>
-              <a:t>vývoj </a:t>
-            </a:r>
-            <a:r>
-              <a:rPr lang="sk-SK" sz="1200" b="1" kern="1200" dirty="0">
-                <a:solidFill>
-                  <a:schemeClr val="tx1"/>
-                </a:solidFill>
-                <a:effectLst/>
-                <a:latin typeface="+mn-lt"/>
-                <a:ea typeface="+mn-ea"/>
-                <a:cs typeface="+mn-cs"/>
-              </a:rPr>
-              <a:t>sociálnych sieti </a:t>
-            </a:r>
-            <a:r>
-              <a:rPr lang="sk-SK" sz="1200" kern="1200" dirty="0">
-                <a:solidFill>
-                  <a:schemeClr val="tx1"/>
-                </a:solidFill>
-                <a:effectLst/>
-                <a:latin typeface="+mn-lt"/>
-                <a:ea typeface="+mn-ea"/>
-                <a:cs typeface="+mn-cs"/>
-              </a:rPr>
-              <a:t>a uľahčenie zdieľania informácii</a:t>
+              <a:t> obalamutiť.</a:t>
             </a:r>
           </a:p>
           <a:p>
@@ -4368,39 +4060,22 @@
             </a:endParaRPr>
           </a:p>
           <a:p>
-            <a:pPr marL="171450" lvl="0" indent="-171450">
+            <a:pPr marL="171450" marR="0" lvl="0" indent="-171450" algn="l" defTabSz="914400" rtl="0" eaLnBrk="1" fontAlgn="auto" latinLnBrk="0" hangingPunct="1">
+              <a:lnSpc>
+                <a:spcPct val="100000"/>
+              </a:lnSpc>
+              <a:spcBef>
+                <a:spcPts val="0"/>
+              </a:spcBef>
+              <a:spcAft>
+                <a:spcPts val="0"/>
+              </a:spcAft>
+              <a:buClrTx/>
+              <a:buSzTx/>
               <a:buFont typeface="Arial" panose="020B0604020202020204" pitchFamily="34" charset="0"/>
               <a:buChar char="•"/>
-            </a:pPr>
-            <a:r>
-              <a:rPr lang="sk-SK" sz="1200" kern="1200" dirty="0">
-                <a:solidFill>
-                  <a:schemeClr val="tx1"/>
-                </a:solidFill>
-                <a:effectLst/>
-                <a:latin typeface="+mn-lt"/>
-                <a:ea typeface="+mn-ea"/>
-                <a:cs typeface="+mn-cs"/>
-              </a:rPr>
-              <a:t>aký majú </a:t>
-            </a:r>
-            <a:r>
-              <a:rPr lang="sk-SK" sz="1200" b="1" kern="1200" dirty="0">
-                <a:solidFill>
-                  <a:schemeClr val="tx1"/>
-                </a:solidFill>
-                <a:effectLst/>
-                <a:latin typeface="+mn-lt"/>
-                <a:ea typeface="+mn-ea"/>
-                <a:cs typeface="+mn-cs"/>
-              </a:rPr>
-              <a:t>dopad</a:t>
-            </a:r>
-          </a:p>
-          <a:p>
-            <a:pPr marL="0" lvl="0" indent="0">
-              <a:buFont typeface="Arial" panose="020B0604020202020204" pitchFamily="34" charset="0"/>
-              <a:buNone/>
+              <a:tabLst/>
+              <a:defRPr/>
             </a:pPr>
             <a:endParaRPr lang="sk-SK" sz="1200" b="1" kern="1200" dirty="0">
               <a:solidFill>
@@ -4413,9 +4088,22 @@
             </a:endParaRPr>
           </a:p>
           <a:p>
-            <a:pPr marL="171450" lvl="0" indent="-171450">
+            <a:pPr marL="171450" marR="0" lvl="0" indent="-171450" algn="l" defTabSz="914400" rtl="0" eaLnBrk="1" fontAlgn="auto" latinLnBrk="0" hangingPunct="1">
+              <a:lnSpc>
+                <a:spcPct val="100000"/>
+              </a:lnSpc>
+              <a:spcBef>
+                <a:spcPts val="0"/>
+              </a:spcBef>
+              <a:spcAft>
+                <a:spcPts val="0"/>
+              </a:spcAft>
+              <a:buClrTx/>
+              <a:buSzTx/>
               <a:buFont typeface="Arial" panose="020B0604020202020204" pitchFamily="34" charset="0"/>
               <a:buChar char="•"/>
+              <a:tabLst/>
+              <a:defRPr/>
             </a:pPr>
             <a:r>
               <a:rPr lang="sk-SK" sz="1200" b="1" kern="1200" dirty="0">
@@ -4427,28 +4115,29 @@
                 <a:ea typeface="+mn-ea"/>
                 <a:cs typeface="+mn-cs"/>
               </a:rPr>
-              <a:t>právny vzťah </a:t>
-            </a:r>
-            <a:r>
-              <a:rPr lang="sk-SK" sz="1200" kern="1200" dirty="0">
-                <a:solidFill>
-                  <a:schemeClr val="tx1"/>
-                </a:solidFill>
-                <a:effectLst/>
-                <a:latin typeface="+mn-lt"/>
-                <a:ea typeface="+mn-ea"/>
-                <a:cs typeface="+mn-cs"/>
-              </a:rPr>
-              <a:t>ku falošným správam</a:t>
-            </a:r>
-          </a:p>
-          <a:p>
-            <a:pPr marL="171450" lvl="0" indent="-171450">
+              <a:t>Nezakladajú na pravdivých skutočnostiach</a:t>
+            </a:r>
+          </a:p>
+          <a:p>
+            <a:pPr marL="171450" marR="0" lvl="0" indent="-171450" algn="l" defTabSz="914400" rtl="0" eaLnBrk="1" fontAlgn="auto" latinLnBrk="0" hangingPunct="1">
+              <a:lnSpc>
+                <a:spcPct val="100000"/>
+              </a:lnSpc>
+              <a:spcBef>
+                <a:spcPts val="0"/>
+              </a:spcBef>
+              <a:spcAft>
+                <a:spcPts val="0"/>
+              </a:spcAft>
+              <a:buClrTx/>
+              <a:buSzTx/>
               <a:buFont typeface="Arial" panose="020B0604020202020204" pitchFamily="34" charset="0"/>
               <a:buChar char="•"/>
+              <a:tabLst/>
+              <a:defRPr/>
             </a:pPr>
             <a:r>
-              <a:rPr lang="sk-SK" sz="1200" kern="1200" dirty="0">
+              <a:rPr lang="sk-SK" sz="1200" b="1" kern="1200" dirty="0">
                 <a:solidFill>
                   <a:schemeClr val="tx1"/>
                 </a:solidFill>
@@ -4457,8 +4146,27 @@
                 <a:ea typeface="+mn-ea"/>
                 <a:cs typeface="+mn-cs"/>
               </a:rPr>
-              <a:t>možnosti </a:t>
-            </a:r>
+              <a:t>Zavádzajúce</a:t>
+            </a:r>
+          </a:p>
+          <a:p>
+            <a:pPr marL="171450" marR="0" lvl="0" indent="-171450" algn="l" defTabSz="914400" rtl="0" eaLnBrk="1" fontAlgn="auto" latinLnBrk="0" hangingPunct="1">
+              <a:lnSpc>
+                <a:spcPct val="100000"/>
+              </a:lnSpc>
+              <a:spcBef>
+                <a:spcPts val="0"/>
+              </a:spcBef>
+              <a:spcAft>
+                <a:spcPts val="0"/>
+              </a:spcAft>
+              <a:buClrTx/>
+              <a:buSzTx/>
+              <a:buFont typeface="Arial" panose="020B0604020202020204" pitchFamily="34" charset="0"/>
+              <a:buChar char="•"/>
+              <a:tabLst/>
+              <a:defRPr/>
+            </a:pPr>
             <a:r>
               <a:rPr lang="sk-SK" sz="1200" b="1" kern="1200" dirty="0">
                 <a:solidFill>
@@ -4469,9 +4177,28 @@
                 <a:ea typeface="+mn-ea"/>
                 <a:cs typeface="+mn-cs"/>
               </a:rPr>
-              <a:t>reparácie</a:t>
-            </a:r>
-            <a:endParaRPr lang="sk-SK" sz="1200" kern="1200" dirty="0">
+              <a:t>Presvedčiť, kliknúť, kúpiť produkt, SW, reklama</a:t>
+            </a:r>
+          </a:p>
+          <a:p>
+            <a:pPr marL="171450" marR="0" lvl="0" indent="-171450" algn="l" defTabSz="914400" rtl="0" eaLnBrk="1" fontAlgn="auto" latinLnBrk="0" hangingPunct="1">
+              <a:lnSpc>
+                <a:spcPct val="100000"/>
+              </a:lnSpc>
+              <a:spcBef>
+                <a:spcPts val="0"/>
+              </a:spcBef>
+              <a:spcAft>
+                <a:spcPts val="0"/>
+              </a:spcAft>
+              <a:buClrTx/>
+              <a:buSzTx/>
+              <a:buFont typeface="Arial" panose="020B0604020202020204" pitchFamily="34" charset="0"/>
+              <a:buChar char="•"/>
+              <a:tabLst/>
+              <a:defRPr/>
+            </a:pPr>
+            <a:endParaRPr lang="sk-SK" sz="1200" b="1" kern="1200" dirty="0">
               <a:solidFill>
                 <a:schemeClr val="tx1"/>
               </a:solidFill>
@@ -4482,37 +4209,73 @@
             </a:endParaRPr>
           </a:p>
           <a:p>
-            <a:pPr marL="171450" lvl="0" indent="-171450">
+            <a:pPr marL="171450" marR="0" lvl="0" indent="-171450" algn="l" defTabSz="914400" rtl="0" eaLnBrk="1" fontAlgn="auto" latinLnBrk="0" hangingPunct="1">
+              <a:lnSpc>
+                <a:spcPct val="100000"/>
+              </a:lnSpc>
+              <a:spcBef>
+                <a:spcPts val="0"/>
+              </a:spcBef>
+              <a:spcAft>
+                <a:spcPts val="0"/>
+              </a:spcAft>
+              <a:buClrTx/>
+              <a:buSzTx/>
               <a:buFont typeface="Arial" panose="020B0604020202020204" pitchFamily="34" charset="0"/>
               <a:buChar char="•"/>
+              <a:tabLst/>
+              <a:defRPr/>
             </a:pPr>
             <a:r>
-              <a:rPr lang="sk-SK" sz="1200" b="1" kern="1200" dirty="0">
-                <a:solidFill>
-                  <a:schemeClr val="tx1"/>
-                </a:solidFill>
-                <a:effectLst/>
-                <a:latin typeface="+mn-lt"/>
-                <a:ea typeface="+mn-ea"/>
-                <a:cs typeface="+mn-cs"/>
-              </a:rPr>
-              <a:t>normy</a:t>
-            </a:r>
-            <a:r>
-              <a:rPr lang="sk-SK" sz="1200" kern="1200" dirty="0">
-                <a:solidFill>
-                  <a:schemeClr val="tx1"/>
-                </a:solidFill>
-                <a:effectLst/>
-                <a:latin typeface="+mn-lt"/>
-                <a:ea typeface="+mn-ea"/>
-                <a:cs typeface="+mn-cs"/>
-              </a:rPr>
-              <a:t> ošetrujúce tento problém</a:t>
-            </a:r>
-          </a:p>
-          <a:p>
-            <a:endParaRPr lang="sk-SK" dirty="0"/>
+              <a:rPr lang="sk-SK" b="1" dirty="0"/>
+              <a:t>Rozdiel – overovanie zdroju</a:t>
+            </a:r>
+          </a:p>
+          <a:p>
+            <a:pPr marL="171450" marR="0" lvl="0" indent="-171450" algn="l" defTabSz="914400" rtl="0" eaLnBrk="1" fontAlgn="auto" latinLnBrk="0" hangingPunct="1">
+              <a:lnSpc>
+                <a:spcPct val="100000"/>
+              </a:lnSpc>
+              <a:spcBef>
+                <a:spcPts val="0"/>
+              </a:spcBef>
+              <a:spcAft>
+                <a:spcPts val="0"/>
+              </a:spcAft>
+              <a:buClrTx/>
+              <a:buSzTx/>
+              <a:buFont typeface="Arial" panose="020B0604020202020204" pitchFamily="34" charset="0"/>
+              <a:buChar char="•"/>
+              <a:tabLst/>
+              <a:defRPr/>
+            </a:pPr>
+            <a:r>
+              <a:rPr lang="sk-SK" b="1" dirty="0"/>
+              <a:t>Etický kódex</a:t>
+            </a:r>
+          </a:p>
+          <a:p>
+            <a:pPr marL="171450" marR="0" lvl="0" indent="-171450" algn="l" defTabSz="914400" rtl="0" eaLnBrk="1" fontAlgn="auto" latinLnBrk="0" hangingPunct="1">
+              <a:lnSpc>
+                <a:spcPct val="100000"/>
+              </a:lnSpc>
+              <a:spcBef>
+                <a:spcPts val="0"/>
+              </a:spcBef>
+              <a:spcAft>
+                <a:spcPts val="0"/>
+              </a:spcAft>
+              <a:buClrTx/>
+              <a:buSzTx/>
+              <a:buFont typeface="Arial" panose="020B0604020202020204" pitchFamily="34" charset="0"/>
+              <a:buChar char="•"/>
+              <a:tabLst/>
+              <a:defRPr/>
+            </a:pPr>
+            <a:r>
+              <a:rPr lang="sk-SK" b="1" dirty="0"/>
+              <a:t>Zámerné balamutenie</a:t>
+            </a:r>
           </a:p>
         </p:txBody>
       </p:sp>
@@ -4596,835 +4359,222 @@
           <a:bodyPr/>
           <a:lstStyle/>
           <a:p>
-            <a:pPr marL="171450" marR="0" lvl="0" indent="-171450" algn="l" defTabSz="914400" rtl="0" eaLnBrk="1" fontAlgn="auto" latinLnBrk="0" hangingPunct="1">
-              <a:lnSpc>
-                <a:spcPct val="100000"/>
-              </a:lnSpc>
-              <a:spcBef>
-                <a:spcPts val="0"/>
-              </a:spcBef>
-              <a:spcAft>
-                <a:spcPts val="0"/>
-              </a:spcAft>
-              <a:buClrTx/>
-              <a:buSzTx/>
-              <a:buFont typeface="Arial" panose="020B0604020202020204" pitchFamily="34" charset="0"/>
-              <a:buChar char="•"/>
-              <a:tabLst/>
-              <a:defRPr/>
-            </a:pPr>
+            <a:r>
+              <a:rPr lang="sk-SK" sz="1200" kern="1200" dirty="0">
+                <a:solidFill>
+                  <a:schemeClr val="tx1"/>
+                </a:solidFill>
+                <a:effectLst/>
+                <a:latin typeface="+mn-lt"/>
+                <a:ea typeface="+mn-ea"/>
+                <a:cs typeface="+mn-cs"/>
+              </a:rPr>
+              <a:t>Zmyslom týchto informačných zdrojov je </a:t>
+            </a:r>
+            <a:r>
+              <a:rPr lang="sk-SK" sz="1200" b="1" kern="1200" dirty="0">
+                <a:solidFill>
+                  <a:schemeClr val="tx1"/>
+                </a:solidFill>
+                <a:effectLst/>
+                <a:latin typeface="+mn-lt"/>
+                <a:ea typeface="+mn-ea"/>
+                <a:cs typeface="+mn-cs"/>
+              </a:rPr>
+              <a:t>ovplyvniť</a:t>
+            </a:r>
+            <a:r>
+              <a:rPr lang="sk-SK" sz="1200" kern="1200" dirty="0">
+                <a:solidFill>
+                  <a:schemeClr val="tx1"/>
+                </a:solidFill>
+                <a:effectLst/>
+                <a:latin typeface="+mn-lt"/>
+                <a:ea typeface="+mn-ea"/>
+                <a:cs typeface="+mn-cs"/>
+              </a:rPr>
+              <a:t> </a:t>
+            </a:r>
+            <a:r>
+              <a:rPr lang="sk-SK" sz="1200" b="1" kern="1200" dirty="0">
+                <a:solidFill>
+                  <a:schemeClr val="tx1"/>
+                </a:solidFill>
+                <a:effectLst/>
+                <a:latin typeface="+mn-lt"/>
+                <a:ea typeface="+mn-ea"/>
+                <a:cs typeface="+mn-cs"/>
+              </a:rPr>
+              <a:t>názor</a:t>
+            </a:r>
+            <a:r>
+              <a:rPr lang="sk-SK" sz="1200" kern="1200" dirty="0">
+                <a:solidFill>
+                  <a:schemeClr val="tx1"/>
+                </a:solidFill>
+                <a:effectLst/>
+                <a:latin typeface="+mn-lt"/>
+                <a:ea typeface="+mn-ea"/>
+                <a:cs typeface="+mn-cs"/>
+              </a:rPr>
+              <a:t> ľudí na nejakú problematiku, podnietiť inklináciu k určitej </a:t>
+            </a:r>
+            <a:r>
+              <a:rPr lang="sk-SK" sz="1200" b="1" kern="1200" dirty="0">
+                <a:solidFill>
+                  <a:schemeClr val="tx1"/>
+                </a:solidFill>
+                <a:effectLst/>
+                <a:latin typeface="+mn-lt"/>
+                <a:ea typeface="+mn-ea"/>
+                <a:cs typeface="+mn-cs"/>
+              </a:rPr>
+              <a:t>politickej</a:t>
+            </a:r>
+            <a:r>
+              <a:rPr lang="sk-SK" sz="1200" kern="1200" dirty="0">
+                <a:solidFill>
+                  <a:schemeClr val="tx1"/>
+                </a:solidFill>
+                <a:effectLst/>
+                <a:latin typeface="+mn-lt"/>
+                <a:ea typeface="+mn-ea"/>
+                <a:cs typeface="+mn-cs"/>
+              </a:rPr>
+              <a:t> </a:t>
+            </a:r>
+            <a:r>
+              <a:rPr lang="sk-SK" sz="1200" b="1" kern="1200" dirty="0">
+                <a:solidFill>
+                  <a:schemeClr val="tx1"/>
+                </a:solidFill>
+                <a:effectLst/>
+                <a:latin typeface="+mn-lt"/>
+                <a:ea typeface="+mn-ea"/>
+                <a:cs typeface="+mn-cs"/>
+              </a:rPr>
+              <a:t>strane</a:t>
+            </a:r>
+            <a:r>
+              <a:rPr lang="sk-SK" sz="1200" kern="1200" dirty="0">
+                <a:solidFill>
+                  <a:schemeClr val="tx1"/>
+                </a:solidFill>
+                <a:effectLst/>
+                <a:latin typeface="+mn-lt"/>
+                <a:ea typeface="+mn-ea"/>
+                <a:cs typeface="+mn-cs"/>
+              </a:rPr>
+              <a:t> alebo politickému problému alebo zarobiť na </a:t>
+            </a:r>
+            <a:r>
+              <a:rPr lang="sk-SK" sz="1200" b="1" kern="1200" dirty="0">
+                <a:solidFill>
+                  <a:schemeClr val="tx1"/>
+                </a:solidFill>
+                <a:effectLst/>
+                <a:latin typeface="+mn-lt"/>
+                <a:ea typeface="+mn-ea"/>
+                <a:cs typeface="+mn-cs"/>
+              </a:rPr>
+              <a:t>reklamách</a:t>
+            </a:r>
+            <a:r>
+              <a:rPr lang="sk-SK" sz="1200" kern="1200" dirty="0">
+                <a:solidFill>
+                  <a:schemeClr val="tx1"/>
+                </a:solidFill>
+                <a:effectLst/>
+                <a:latin typeface="+mn-lt"/>
+                <a:ea typeface="+mn-ea"/>
+                <a:cs typeface="+mn-cs"/>
+              </a:rPr>
+              <a:t> ktoré na svojich webových stránkach majú neúrekom, alebo </a:t>
+            </a:r>
+            <a:r>
+              <a:rPr lang="sk-SK" sz="1200" b="1" kern="1200" dirty="0">
+                <a:solidFill>
+                  <a:schemeClr val="tx1"/>
+                </a:solidFill>
+                <a:effectLst/>
+                <a:latin typeface="+mn-lt"/>
+                <a:ea typeface="+mn-ea"/>
+                <a:cs typeface="+mn-cs"/>
+              </a:rPr>
+              <a:t>zviditeľniť</a:t>
+            </a:r>
+            <a:r>
+              <a:rPr lang="sk-SK" sz="1200" kern="1200" dirty="0">
+                <a:solidFill>
+                  <a:schemeClr val="tx1"/>
+                </a:solidFill>
+                <a:effectLst/>
+                <a:latin typeface="+mn-lt"/>
+                <a:ea typeface="+mn-ea"/>
+                <a:cs typeface="+mn-cs"/>
+              </a:rPr>
+              <a:t> svojich </a:t>
+            </a:r>
+            <a:r>
+              <a:rPr lang="sk-SK" sz="1200" b="1" kern="1200" dirty="0">
+                <a:solidFill>
+                  <a:schemeClr val="tx1"/>
+                </a:solidFill>
+                <a:effectLst/>
+                <a:latin typeface="+mn-lt"/>
+                <a:ea typeface="+mn-ea"/>
+                <a:cs typeface="+mn-cs"/>
+              </a:rPr>
+              <a:t>majiteľov</a:t>
+            </a:r>
+            <a:r>
+              <a:rPr lang="sk-SK" sz="1200" kern="1200" dirty="0">
+                <a:solidFill>
+                  <a:schemeClr val="tx1"/>
+                </a:solidFill>
+                <a:effectLst/>
+                <a:latin typeface="+mn-lt"/>
+                <a:ea typeface="+mn-ea"/>
+                <a:cs typeface="+mn-cs"/>
+              </a:rPr>
+              <a:t>, politickú </a:t>
+            </a:r>
+            <a:r>
+              <a:rPr lang="sk-SK" sz="1200" b="1" kern="1200" dirty="0">
+                <a:solidFill>
+                  <a:schemeClr val="tx1"/>
+                </a:solidFill>
+                <a:effectLst/>
+                <a:latin typeface="+mn-lt"/>
+                <a:ea typeface="+mn-ea"/>
+                <a:cs typeface="+mn-cs"/>
+              </a:rPr>
+              <a:t>organizáciu</a:t>
+            </a:r>
+            <a:r>
+              <a:rPr lang="sk-SK" sz="1200" kern="1200" dirty="0">
+                <a:solidFill>
+                  <a:schemeClr val="tx1"/>
+                </a:solidFill>
+                <a:effectLst/>
+                <a:latin typeface="+mn-lt"/>
+                <a:ea typeface="+mn-ea"/>
+                <a:cs typeface="+mn-cs"/>
+              </a:rPr>
+              <a:t> atď.</a:t>
+            </a:r>
+          </a:p>
+          <a:p>
+            <a:endParaRPr lang="sk-SK" b="1" dirty="0"/>
+          </a:p>
+          <a:p>
+            <a:endParaRPr lang="sk-SK" b="1" dirty="0"/>
+          </a:p>
+          <a:p>
             <a:r>
               <a:rPr lang="sk-SK" b="1" dirty="0"/>
-              <a:t>čo sú to </a:t>
-            </a:r>
-            <a:r>
-              <a:rPr lang="sk-SK" dirty="0"/>
-              <a:t>falošné správy</a:t>
-            </a:r>
-          </a:p>
-          <a:p>
-            <a:pPr marL="0" marR="0" lvl="0" indent="0" algn="l" defTabSz="914400" rtl="0" eaLnBrk="1" fontAlgn="auto" latinLnBrk="0" hangingPunct="1">
-              <a:lnSpc>
-                <a:spcPct val="100000"/>
-              </a:lnSpc>
-              <a:spcBef>
-                <a:spcPts val="0"/>
-              </a:spcBef>
-              <a:spcAft>
-                <a:spcPts val="0"/>
-              </a:spcAft>
-              <a:buClrTx/>
-              <a:buSzTx/>
-              <a:buFont typeface="Arial" panose="020B0604020202020204" pitchFamily="34" charset="0"/>
-              <a:buNone/>
-              <a:tabLst/>
-              <a:defRPr/>
-            </a:pPr>
-            <a:endParaRPr lang="sk-SK" dirty="0"/>
-          </a:p>
-          <a:p>
-            <a:pPr marL="171450" marR="0" lvl="0" indent="-171450" algn="l" defTabSz="914400" rtl="0" eaLnBrk="1" fontAlgn="auto" latinLnBrk="0" hangingPunct="1">
-              <a:lnSpc>
-                <a:spcPct val="100000"/>
-              </a:lnSpc>
-              <a:spcBef>
-                <a:spcPts val="0"/>
-              </a:spcBef>
-              <a:spcAft>
-                <a:spcPts val="0"/>
-              </a:spcAft>
-              <a:buClrTx/>
-              <a:buSzTx/>
-              <a:buFont typeface="Arial" panose="020B0604020202020204" pitchFamily="34" charset="0"/>
-              <a:buChar char="•"/>
-              <a:tabLst/>
-              <a:defRPr/>
-            </a:pPr>
-            <a:r>
-              <a:rPr lang="sk-SK" dirty="0"/>
-              <a:t>(</a:t>
-            </a:r>
-            <a:r>
-              <a:rPr lang="sk-SK" b="1" dirty="0" err="1"/>
-              <a:t>roz</a:t>
-            </a:r>
-            <a:r>
-              <a:rPr lang="sk-SK" sz="1200" b="1" kern="1200" dirty="0" err="1">
-                <a:solidFill>
-                  <a:schemeClr val="tx1"/>
-                </a:solidFill>
-                <a:effectLst/>
-                <a:latin typeface="+mn-lt"/>
-                <a:ea typeface="+mn-ea"/>
-                <a:cs typeface="+mn-cs"/>
-              </a:rPr>
-              <a:t>rozdiel</a:t>
-            </a:r>
-            <a:r>
-              <a:rPr lang="sk-SK" sz="1200" kern="1200" dirty="0">
-                <a:solidFill>
-                  <a:schemeClr val="tx1"/>
-                </a:solidFill>
-                <a:effectLst/>
-                <a:latin typeface="+mn-lt"/>
-                <a:ea typeface="+mn-ea"/>
-                <a:cs typeface="+mn-cs"/>
-              </a:rPr>
-              <a:t> medzi falošnými a </a:t>
-            </a:r>
-            <a:r>
-              <a:rPr lang="sk-SK" sz="1200" b="1" kern="1200" dirty="0">
-                <a:solidFill>
-                  <a:schemeClr val="tx1"/>
-                </a:solidFill>
-                <a:effectLst/>
-                <a:latin typeface="+mn-lt"/>
-                <a:ea typeface="+mn-ea"/>
-                <a:cs typeface="+mn-cs"/>
-              </a:rPr>
-              <a:t>reálnymi</a:t>
-            </a:r>
-            <a:r>
-              <a:rPr lang="sk-SK" sz="1200" kern="1200" dirty="0">
-                <a:solidFill>
-                  <a:schemeClr val="tx1"/>
-                </a:solidFill>
-                <a:effectLst/>
-                <a:latin typeface="+mn-lt"/>
-                <a:ea typeface="+mn-ea"/>
-                <a:cs typeface="+mn-cs"/>
-              </a:rPr>
-              <a:t> správami, resp. </a:t>
-            </a:r>
-            <a:r>
-              <a:rPr lang="sk-SK" sz="1200" b="1" kern="1200" dirty="0">
-                <a:solidFill>
-                  <a:schemeClr val="tx1"/>
-                </a:solidFill>
-                <a:effectLst/>
-                <a:latin typeface="+mn-lt"/>
-                <a:ea typeface="+mn-ea"/>
-                <a:cs typeface="+mn-cs"/>
-              </a:rPr>
-              <a:t>zdroje</a:t>
-            </a:r>
-            <a:r>
-              <a:rPr lang="sk-SK" sz="1200" kern="1200" dirty="0">
-                <a:solidFill>
-                  <a:schemeClr val="tx1"/>
-                </a:solidFill>
-                <a:effectLst/>
-                <a:latin typeface="+mn-lt"/>
-                <a:ea typeface="+mn-ea"/>
-                <a:cs typeface="+mn-cs"/>
-              </a:rPr>
-              <a:t>, ktoré ich publikujú </a:t>
-            </a:r>
-            <a:r>
-              <a:rPr lang="sk-SK" sz="1200" kern="1200" dirty="0">
-                <a:solidFill>
-                  <a:srgbClr val="FF0000"/>
-                </a:solidFill>
-                <a:effectLst/>
-                <a:latin typeface="+mn-lt"/>
-                <a:ea typeface="+mn-ea"/>
-                <a:cs typeface="+mn-cs"/>
-              </a:rPr>
-              <a:t>&lt;------------------------- !!!</a:t>
-            </a:r>
-            <a:endParaRPr lang="sk-SK" dirty="0"/>
-          </a:p>
-          <a:p>
-            <a:pPr marL="0" marR="0" lvl="0" indent="0" algn="l" defTabSz="914400" rtl="0" eaLnBrk="1" fontAlgn="auto" latinLnBrk="0" hangingPunct="1">
-              <a:lnSpc>
-                <a:spcPct val="100000"/>
-              </a:lnSpc>
-              <a:spcBef>
-                <a:spcPts val="0"/>
-              </a:spcBef>
-              <a:spcAft>
-                <a:spcPts val="0"/>
-              </a:spcAft>
-              <a:buClrTx/>
-              <a:buSzTx/>
-              <a:buFont typeface="Arial" panose="020B0604020202020204" pitchFamily="34" charset="0"/>
-              <a:buNone/>
-              <a:tabLst/>
-              <a:defRPr/>
-            </a:pPr>
-            <a:endParaRPr lang="sk-SK" sz="1200" kern="1200" dirty="0">
-              <a:solidFill>
-                <a:schemeClr val="tx1"/>
-              </a:solidFill>
-              <a:effectLst/>
-              <a:latin typeface="+mn-lt"/>
-              <a:ea typeface="+mn-ea"/>
-              <a:cs typeface="+mn-cs"/>
-            </a:endParaRPr>
-          </a:p>
-          <a:p>
-            <a:pPr marL="171450" marR="0" lvl="0" indent="-171450" algn="l" defTabSz="914400" rtl="0" eaLnBrk="1" fontAlgn="auto" latinLnBrk="0" hangingPunct="1">
-              <a:lnSpc>
-                <a:spcPct val="100000"/>
-              </a:lnSpc>
-              <a:spcBef>
-                <a:spcPts val="0"/>
-              </a:spcBef>
-              <a:spcAft>
-                <a:spcPts val="0"/>
-              </a:spcAft>
-              <a:buClrTx/>
-              <a:buSzTx/>
-              <a:buFont typeface="Arial" panose="020B0604020202020204" pitchFamily="34" charset="0"/>
-              <a:buChar char="•"/>
-              <a:tabLst/>
-              <a:defRPr/>
-            </a:pPr>
-            <a:r>
-              <a:rPr lang="sk-SK" sz="1200" kern="1200" dirty="0">
-                <a:solidFill>
-                  <a:schemeClr val="tx1"/>
-                </a:solidFill>
-                <a:effectLst/>
-                <a:latin typeface="+mn-lt"/>
-                <a:ea typeface="+mn-ea"/>
-                <a:cs typeface="+mn-cs"/>
-              </a:rPr>
-              <a:t>ich </a:t>
-            </a:r>
-            <a:r>
-              <a:rPr lang="sk-SK" sz="1200" b="1" u="sng" kern="1200" dirty="0">
-                <a:solidFill>
-                  <a:schemeClr val="tx1"/>
-                </a:solidFill>
-                <a:effectLst/>
-                <a:latin typeface="+mn-lt"/>
-                <a:ea typeface="+mn-ea"/>
-                <a:cs typeface="+mn-cs"/>
-              </a:rPr>
-              <a:t>zámer </a:t>
-            </a:r>
-            <a:r>
-              <a:rPr lang="sk-SK" sz="1200" kern="1200" dirty="0">
-                <a:solidFill>
-                  <a:srgbClr val="FF0000"/>
-                </a:solidFill>
-                <a:effectLst/>
-                <a:latin typeface="+mn-lt"/>
-                <a:ea typeface="+mn-ea"/>
-                <a:cs typeface="+mn-cs"/>
-              </a:rPr>
-              <a:t>&lt;------------------------- !!!</a:t>
-            </a:r>
-            <a:endParaRPr lang="sk-SK" sz="1200" kern="1200" dirty="0">
-              <a:solidFill>
-                <a:schemeClr val="tx1"/>
-              </a:solidFill>
-              <a:effectLst/>
-              <a:latin typeface="+mn-lt"/>
-              <a:ea typeface="+mn-ea"/>
-              <a:cs typeface="+mn-cs"/>
-            </a:endParaRPr>
-          </a:p>
-          <a:p>
-            <a:pPr marL="171450" marR="0" lvl="0" indent="-171450" algn="l" defTabSz="914400" rtl="0" eaLnBrk="1" fontAlgn="auto" latinLnBrk="0" hangingPunct="1">
-              <a:lnSpc>
-                <a:spcPct val="100000"/>
-              </a:lnSpc>
-              <a:spcBef>
-                <a:spcPts val="0"/>
-              </a:spcBef>
-              <a:spcAft>
-                <a:spcPts val="0"/>
-              </a:spcAft>
-              <a:buClrTx/>
-              <a:buSzTx/>
-              <a:buFont typeface="Arial" panose="020B0604020202020204" pitchFamily="34" charset="0"/>
-              <a:buChar char="•"/>
-              <a:tabLst/>
-              <a:defRPr/>
-            </a:pPr>
-            <a:r>
-              <a:rPr lang="sk-SK" sz="1200" kern="1200" dirty="0">
-                <a:solidFill>
-                  <a:schemeClr val="tx1"/>
-                </a:solidFill>
-                <a:effectLst/>
-                <a:latin typeface="+mn-lt"/>
-                <a:ea typeface="+mn-ea"/>
-                <a:cs typeface="+mn-cs"/>
-              </a:rPr>
-              <a:t>prečo </a:t>
-            </a:r>
-            <a:r>
-              <a:rPr lang="sk-SK" sz="1200" b="1" kern="1200" dirty="0">
-                <a:solidFill>
-                  <a:schemeClr val="tx1"/>
-                </a:solidFill>
-                <a:effectLst/>
-                <a:latin typeface="+mn-lt"/>
-                <a:ea typeface="+mn-ea"/>
-                <a:cs typeface="+mn-cs"/>
-              </a:rPr>
-              <a:t>vznikajú</a:t>
-            </a:r>
-            <a:r>
-              <a:rPr lang="sk-SK" sz="1200" kern="1200" dirty="0">
-                <a:solidFill>
-                  <a:schemeClr val="tx1"/>
-                </a:solidFill>
-                <a:effectLst/>
-                <a:latin typeface="+mn-lt"/>
-                <a:ea typeface="+mn-ea"/>
-                <a:cs typeface="+mn-cs"/>
-              </a:rPr>
-              <a:t> falošné správy </a:t>
-            </a:r>
-            <a:r>
-              <a:rPr lang="sk-SK" sz="1200" kern="1200" dirty="0">
-                <a:solidFill>
-                  <a:srgbClr val="FF0000"/>
-                </a:solidFill>
-                <a:effectLst/>
-                <a:latin typeface="+mn-lt"/>
-                <a:ea typeface="+mn-ea"/>
-                <a:cs typeface="+mn-cs"/>
-              </a:rPr>
-              <a:t>&lt;------------------------- !!!</a:t>
-            </a:r>
-            <a:endParaRPr lang="sk-SK" sz="1200" kern="1200" dirty="0">
-              <a:solidFill>
-                <a:schemeClr val="tx1"/>
-              </a:solidFill>
-              <a:effectLst/>
-              <a:latin typeface="+mn-lt"/>
-              <a:ea typeface="+mn-ea"/>
-              <a:cs typeface="+mn-cs"/>
-            </a:endParaRPr>
-          </a:p>
-          <a:p>
-            <a:pPr marL="171450" marR="0" lvl="0" indent="-171450" algn="l" defTabSz="914400" rtl="0" eaLnBrk="1" fontAlgn="auto" latinLnBrk="0" hangingPunct="1">
-              <a:lnSpc>
-                <a:spcPct val="100000"/>
-              </a:lnSpc>
-              <a:spcBef>
-                <a:spcPts val="0"/>
-              </a:spcBef>
-              <a:spcAft>
-                <a:spcPts val="0"/>
-              </a:spcAft>
-              <a:buClrTx/>
-              <a:buSzTx/>
-              <a:buFont typeface="Arial" panose="020B0604020202020204" pitchFamily="34" charset="0"/>
-              <a:buChar char="•"/>
-              <a:tabLst/>
-              <a:defRPr/>
-            </a:pPr>
-            <a:r>
-              <a:rPr lang="sk-SK" sz="1200" kern="1200" dirty="0">
-                <a:solidFill>
-                  <a:schemeClr val="tx1"/>
-                </a:solidFill>
-                <a:effectLst/>
-                <a:latin typeface="+mn-lt"/>
-                <a:ea typeface="+mn-ea"/>
-                <a:cs typeface="+mn-cs"/>
-              </a:rPr>
-              <a:t>(kedy začali vznikať?, </a:t>
-            </a:r>
-            <a:r>
-              <a:rPr lang="sk-SK" sz="1200" b="1" kern="1200" dirty="0">
-                <a:solidFill>
-                  <a:schemeClr val="tx1"/>
-                </a:solidFill>
-                <a:effectLst/>
-                <a:latin typeface="+mn-lt"/>
-                <a:ea typeface="+mn-ea"/>
-                <a:cs typeface="+mn-cs"/>
-              </a:rPr>
-              <a:t>žltá žurnalistika</a:t>
-            </a:r>
-            <a:r>
-              <a:rPr lang="sk-SK" sz="1200" kern="1200" dirty="0">
-                <a:solidFill>
-                  <a:schemeClr val="tx1"/>
-                </a:solidFill>
-                <a:effectLst/>
-                <a:latin typeface="+mn-lt"/>
-                <a:ea typeface="+mn-ea"/>
-                <a:cs typeface="+mn-cs"/>
-              </a:rPr>
-              <a:t>) </a:t>
-            </a:r>
-            <a:r>
-              <a:rPr lang="sk-SK" sz="1200" kern="1200" dirty="0">
-                <a:solidFill>
-                  <a:srgbClr val="FF0000"/>
-                </a:solidFill>
-                <a:effectLst/>
-                <a:latin typeface="+mn-lt"/>
-                <a:ea typeface="+mn-ea"/>
-                <a:cs typeface="+mn-cs"/>
-              </a:rPr>
-              <a:t>&lt;------------------------- !!!</a:t>
-            </a:r>
-            <a:endParaRPr lang="sk-SK" sz="1200" kern="1200" dirty="0">
-              <a:solidFill>
-                <a:schemeClr val="tx1"/>
-              </a:solidFill>
-              <a:effectLst/>
-              <a:latin typeface="+mn-lt"/>
-              <a:ea typeface="+mn-ea"/>
-              <a:cs typeface="+mn-cs"/>
-            </a:endParaRPr>
-          </a:p>
-          <a:p>
-            <a:pPr marL="0" marR="0" lvl="0" indent="0" algn="l" defTabSz="914400" rtl="0" eaLnBrk="1" fontAlgn="auto" latinLnBrk="0" hangingPunct="1">
-              <a:lnSpc>
-                <a:spcPct val="100000"/>
-              </a:lnSpc>
-              <a:spcBef>
-                <a:spcPts val="0"/>
-              </a:spcBef>
-              <a:spcAft>
-                <a:spcPts val="0"/>
-              </a:spcAft>
-              <a:buClrTx/>
-              <a:buSzTx/>
-              <a:buFont typeface="Arial" panose="020B0604020202020204" pitchFamily="34" charset="0"/>
-              <a:buNone/>
-              <a:tabLst/>
-              <a:defRPr/>
-            </a:pPr>
-            <a:endParaRPr lang="sk-SK" sz="1200" kern="1200" dirty="0">
-              <a:solidFill>
-                <a:schemeClr val="tx1"/>
-              </a:solidFill>
-              <a:effectLst/>
-              <a:latin typeface="+mn-lt"/>
-              <a:ea typeface="+mn-ea"/>
-              <a:cs typeface="+mn-cs"/>
-            </a:endParaRPr>
-          </a:p>
-          <a:p>
-            <a:pPr marL="171450" marR="0" lvl="0" indent="-171450" algn="l" defTabSz="914400" rtl="0" eaLnBrk="1" fontAlgn="auto" latinLnBrk="0" hangingPunct="1">
-              <a:lnSpc>
-                <a:spcPct val="100000"/>
-              </a:lnSpc>
-              <a:spcBef>
-                <a:spcPts val="0"/>
-              </a:spcBef>
-              <a:spcAft>
-                <a:spcPts val="0"/>
-              </a:spcAft>
-              <a:buClrTx/>
-              <a:buSzTx/>
-              <a:buFont typeface="Arial" panose="020B0604020202020204" pitchFamily="34" charset="0"/>
-              <a:buChar char="•"/>
-              <a:tabLst/>
-              <a:defRPr/>
-            </a:pPr>
-            <a:r>
-              <a:rPr lang="sk-SK" sz="1200" kern="1200" dirty="0">
-                <a:solidFill>
-                  <a:schemeClr val="tx1"/>
-                </a:solidFill>
-                <a:effectLst/>
-                <a:latin typeface="+mn-lt"/>
-                <a:ea typeface="+mn-ea"/>
-                <a:cs typeface="+mn-cs"/>
-              </a:rPr>
-              <a:t>ako sa </a:t>
-            </a:r>
-            <a:r>
-              <a:rPr lang="sk-SK" sz="1200" b="1" kern="1200" dirty="0">
-                <a:solidFill>
-                  <a:schemeClr val="tx1"/>
-                </a:solidFill>
-                <a:effectLst/>
-                <a:latin typeface="+mn-lt"/>
-                <a:ea typeface="+mn-ea"/>
-                <a:cs typeface="+mn-cs"/>
-              </a:rPr>
-              <a:t>šíria</a:t>
-            </a:r>
-          </a:p>
-          <a:p>
-            <a:pPr marL="171450" marR="0" lvl="0" indent="-171450" algn="l" defTabSz="914400" rtl="0" eaLnBrk="1" fontAlgn="auto" latinLnBrk="0" hangingPunct="1">
-              <a:lnSpc>
-                <a:spcPct val="100000"/>
-              </a:lnSpc>
-              <a:spcBef>
-                <a:spcPts val="0"/>
-              </a:spcBef>
-              <a:spcAft>
-                <a:spcPts val="0"/>
-              </a:spcAft>
-              <a:buClrTx/>
-              <a:buSzTx/>
-              <a:buFont typeface="Arial" panose="020B0604020202020204" pitchFamily="34" charset="0"/>
-              <a:buChar char="•"/>
-              <a:tabLst/>
-              <a:defRPr/>
-            </a:pPr>
-            <a:r>
-              <a:rPr lang="sk-SK" sz="1200" kern="1200" dirty="0">
-                <a:solidFill>
-                  <a:schemeClr val="tx1"/>
-                </a:solidFill>
-                <a:effectLst/>
-                <a:latin typeface="+mn-lt"/>
-                <a:ea typeface="+mn-ea"/>
-                <a:cs typeface="+mn-cs"/>
-              </a:rPr>
-              <a:t>čo je to „</a:t>
-            </a:r>
-            <a:r>
-              <a:rPr lang="sk-SK" sz="1200" kern="1200" dirty="0" err="1">
-                <a:solidFill>
-                  <a:schemeClr val="tx1"/>
-                </a:solidFill>
-                <a:effectLst/>
-                <a:latin typeface="+mn-lt"/>
-                <a:ea typeface="+mn-ea"/>
-                <a:cs typeface="+mn-cs"/>
-              </a:rPr>
-              <a:t>behavioral</a:t>
-            </a:r>
-            <a:r>
-              <a:rPr lang="sk-SK" sz="1200" kern="1200" dirty="0">
-                <a:solidFill>
-                  <a:schemeClr val="tx1"/>
-                </a:solidFill>
-                <a:effectLst/>
-                <a:latin typeface="+mn-lt"/>
-                <a:ea typeface="+mn-ea"/>
-                <a:cs typeface="+mn-cs"/>
-              </a:rPr>
-              <a:t> </a:t>
-            </a:r>
-            <a:r>
-              <a:rPr lang="sk-SK" sz="1200" kern="1200" dirty="0" err="1">
-                <a:solidFill>
-                  <a:schemeClr val="tx1"/>
-                </a:solidFill>
-                <a:effectLst/>
-                <a:latin typeface="+mn-lt"/>
-                <a:ea typeface="+mn-ea"/>
-                <a:cs typeface="+mn-cs"/>
-              </a:rPr>
-              <a:t>profiling</a:t>
-            </a:r>
-            <a:r>
-              <a:rPr lang="sk-SK" sz="1200" kern="1200" dirty="0">
-                <a:solidFill>
-                  <a:schemeClr val="tx1"/>
-                </a:solidFill>
-                <a:effectLst/>
-                <a:latin typeface="+mn-lt"/>
-                <a:ea typeface="+mn-ea"/>
-                <a:cs typeface="+mn-cs"/>
-              </a:rPr>
-              <a:t>“ a „</a:t>
-            </a:r>
-            <a:r>
-              <a:rPr lang="sk-SK" sz="1200" b="1" kern="1200" dirty="0" err="1">
-                <a:solidFill>
-                  <a:schemeClr val="tx1"/>
-                </a:solidFill>
-                <a:effectLst/>
-                <a:latin typeface="+mn-lt"/>
-                <a:ea typeface="+mn-ea"/>
-                <a:cs typeface="+mn-cs"/>
-              </a:rPr>
-              <a:t>social</a:t>
-            </a:r>
-            <a:r>
-              <a:rPr lang="sk-SK" sz="1200" b="1" kern="1200" dirty="0">
-                <a:solidFill>
-                  <a:schemeClr val="tx1"/>
-                </a:solidFill>
-                <a:effectLst/>
-                <a:latin typeface="+mn-lt"/>
-                <a:ea typeface="+mn-ea"/>
-                <a:cs typeface="+mn-cs"/>
-              </a:rPr>
-              <a:t> </a:t>
-            </a:r>
-            <a:r>
-              <a:rPr lang="sk-SK" sz="1200" b="1" kern="1200" dirty="0" err="1">
-                <a:solidFill>
-                  <a:schemeClr val="tx1"/>
-                </a:solidFill>
-                <a:effectLst/>
-                <a:latin typeface="+mn-lt"/>
-                <a:ea typeface="+mn-ea"/>
-                <a:cs typeface="+mn-cs"/>
-              </a:rPr>
-              <a:t>networking</a:t>
-            </a:r>
-            <a:r>
-              <a:rPr lang="sk-SK" sz="1200" b="1" kern="1200" dirty="0">
-                <a:solidFill>
-                  <a:schemeClr val="tx1"/>
-                </a:solidFill>
-                <a:effectLst/>
-                <a:latin typeface="+mn-lt"/>
-                <a:ea typeface="+mn-ea"/>
-                <a:cs typeface="+mn-cs"/>
-              </a:rPr>
-              <a:t>“</a:t>
-            </a:r>
-          </a:p>
-          <a:p>
-            <a:pPr marL="171450" marR="0" lvl="0" indent="-171450" algn="l" defTabSz="914400" rtl="0" eaLnBrk="1" fontAlgn="auto" latinLnBrk="0" hangingPunct="1">
-              <a:lnSpc>
-                <a:spcPct val="100000"/>
-              </a:lnSpc>
-              <a:spcBef>
-                <a:spcPts val="0"/>
-              </a:spcBef>
-              <a:spcAft>
-                <a:spcPts val="0"/>
-              </a:spcAft>
-              <a:buClrTx/>
-              <a:buSzTx/>
-              <a:buFont typeface="Arial" panose="020B0604020202020204" pitchFamily="34" charset="0"/>
-              <a:buChar char="•"/>
-              <a:tabLst/>
-              <a:defRPr/>
-            </a:pPr>
-            <a:r>
-              <a:rPr lang="sk-SK" sz="1200" kern="1200" dirty="0">
-                <a:solidFill>
-                  <a:schemeClr val="tx1"/>
-                </a:solidFill>
-                <a:effectLst/>
-                <a:latin typeface="+mn-lt"/>
-                <a:ea typeface="+mn-ea"/>
-                <a:cs typeface="+mn-cs"/>
-              </a:rPr>
-              <a:t>vývoj </a:t>
-            </a:r>
-            <a:r>
-              <a:rPr lang="sk-SK" sz="1200" b="1" kern="1200" dirty="0">
-                <a:solidFill>
-                  <a:schemeClr val="tx1"/>
-                </a:solidFill>
-                <a:effectLst/>
-                <a:latin typeface="+mn-lt"/>
-                <a:ea typeface="+mn-ea"/>
-                <a:cs typeface="+mn-cs"/>
-              </a:rPr>
-              <a:t>sociálnych sieti </a:t>
-            </a:r>
-            <a:r>
-              <a:rPr lang="sk-SK" sz="1200" kern="1200" dirty="0">
-                <a:solidFill>
-                  <a:schemeClr val="tx1"/>
-                </a:solidFill>
-                <a:effectLst/>
-                <a:latin typeface="+mn-lt"/>
-                <a:ea typeface="+mn-ea"/>
-                <a:cs typeface="+mn-cs"/>
-              </a:rPr>
-              <a:t>a uľahčenie zdieľania informácii</a:t>
-            </a:r>
-          </a:p>
-          <a:p>
-            <a:pPr marL="171450" marR="0" lvl="0" indent="-171450" algn="l" defTabSz="914400" rtl="0" eaLnBrk="1" fontAlgn="auto" latinLnBrk="0" hangingPunct="1">
-              <a:lnSpc>
-                <a:spcPct val="100000"/>
-              </a:lnSpc>
-              <a:spcBef>
-                <a:spcPts val="0"/>
-              </a:spcBef>
-              <a:spcAft>
-                <a:spcPts val="0"/>
-              </a:spcAft>
-              <a:buClrTx/>
-              <a:buSzTx/>
-              <a:buFont typeface="Arial" panose="020B0604020202020204" pitchFamily="34" charset="0"/>
-              <a:buChar char="•"/>
-              <a:tabLst/>
-              <a:defRPr/>
-            </a:pPr>
-            <a:endParaRPr lang="sk-SK" sz="1200" b="1" kern="1200" dirty="0">
-              <a:solidFill>
-                <a:schemeClr val="tx1"/>
-              </a:solidFill>
-              <a:effectLst/>
-              <a:latin typeface="+mn-lt"/>
-              <a:ea typeface="+mn-ea"/>
-              <a:cs typeface="+mn-cs"/>
-            </a:endParaRPr>
-          </a:p>
-          <a:p>
-            <a:pPr marL="171450" lvl="0" indent="-171450">
-              <a:buFont typeface="Arial" panose="020B0604020202020204" pitchFamily="34" charset="0"/>
-              <a:buChar char="•"/>
-            </a:pPr>
-            <a:r>
-              <a:rPr lang="sk-SK" sz="1200" kern="1200" dirty="0">
-                <a:solidFill>
-                  <a:schemeClr val="tx1"/>
-                </a:solidFill>
-                <a:effectLst/>
-                <a:latin typeface="+mn-lt"/>
-                <a:ea typeface="+mn-ea"/>
-                <a:cs typeface="+mn-cs"/>
-              </a:rPr>
-              <a:t>aký majú </a:t>
-            </a:r>
-            <a:r>
-              <a:rPr lang="sk-SK" sz="1200" b="1" kern="1200" dirty="0">
-                <a:solidFill>
-                  <a:schemeClr val="tx1"/>
-                </a:solidFill>
-                <a:effectLst/>
-                <a:latin typeface="+mn-lt"/>
-                <a:ea typeface="+mn-ea"/>
-                <a:cs typeface="+mn-cs"/>
-              </a:rPr>
-              <a:t>dopad</a:t>
-            </a:r>
-          </a:p>
-          <a:p>
-            <a:pPr marL="0" lvl="0" indent="0">
-              <a:buFont typeface="Arial" panose="020B0604020202020204" pitchFamily="34" charset="0"/>
-              <a:buNone/>
-            </a:pPr>
-            <a:endParaRPr lang="sk-SK" sz="1200" b="1" kern="1200" dirty="0">
-              <a:solidFill>
-                <a:schemeClr val="tx1"/>
-              </a:solidFill>
-              <a:effectLst/>
-              <a:latin typeface="+mn-lt"/>
-              <a:ea typeface="+mn-ea"/>
-              <a:cs typeface="+mn-cs"/>
-            </a:endParaRPr>
-          </a:p>
-          <a:p>
-            <a:pPr marL="171450" lvl="0" indent="-171450">
-              <a:buFont typeface="Arial" panose="020B0604020202020204" pitchFamily="34" charset="0"/>
-              <a:buChar char="•"/>
-            </a:pPr>
-            <a:r>
-              <a:rPr lang="sk-SK" sz="1200" b="1" kern="1200" dirty="0">
-                <a:solidFill>
-                  <a:schemeClr val="tx1"/>
-                </a:solidFill>
-                <a:effectLst/>
-                <a:latin typeface="+mn-lt"/>
-                <a:ea typeface="+mn-ea"/>
-                <a:cs typeface="+mn-cs"/>
-              </a:rPr>
-              <a:t>právny vzťah </a:t>
-            </a:r>
-            <a:r>
-              <a:rPr lang="sk-SK" sz="1200" kern="1200" dirty="0">
-                <a:solidFill>
-                  <a:schemeClr val="tx1"/>
-                </a:solidFill>
-                <a:effectLst/>
-                <a:latin typeface="+mn-lt"/>
-                <a:ea typeface="+mn-ea"/>
-                <a:cs typeface="+mn-cs"/>
-              </a:rPr>
-              <a:t>ku falošným správam</a:t>
-            </a:r>
-          </a:p>
-          <a:p>
-            <a:pPr marL="171450" lvl="0" indent="-171450">
-              <a:buFont typeface="Arial" panose="020B0604020202020204" pitchFamily="34" charset="0"/>
-              <a:buChar char="•"/>
-            </a:pPr>
-            <a:r>
-              <a:rPr lang="sk-SK" sz="1200" kern="1200" dirty="0">
-                <a:solidFill>
-                  <a:schemeClr val="tx1"/>
-                </a:solidFill>
-                <a:effectLst/>
-                <a:latin typeface="+mn-lt"/>
-                <a:ea typeface="+mn-ea"/>
-                <a:cs typeface="+mn-cs"/>
-              </a:rPr>
-              <a:t>možnosti </a:t>
-            </a:r>
-            <a:r>
-              <a:rPr lang="sk-SK" sz="1200" b="1" kern="1200" dirty="0">
-                <a:solidFill>
-                  <a:schemeClr val="tx1"/>
-                </a:solidFill>
-                <a:effectLst/>
-                <a:latin typeface="+mn-lt"/>
-                <a:ea typeface="+mn-ea"/>
-                <a:cs typeface="+mn-cs"/>
-              </a:rPr>
-              <a:t>reparácie</a:t>
-            </a:r>
-            <a:endParaRPr lang="sk-SK" sz="1200" kern="1200" dirty="0">
-              <a:solidFill>
-                <a:schemeClr val="tx1"/>
-              </a:solidFill>
-              <a:effectLst/>
-              <a:latin typeface="+mn-lt"/>
-              <a:ea typeface="+mn-ea"/>
-              <a:cs typeface="+mn-cs"/>
-            </a:endParaRPr>
-          </a:p>
-          <a:p>
-            <a:pPr marL="171450" lvl="0" indent="-171450">
-              <a:buFont typeface="Arial" panose="020B0604020202020204" pitchFamily="34" charset="0"/>
-              <a:buChar char="•"/>
-            </a:pPr>
-            <a:r>
-              <a:rPr lang="sk-SK" sz="1200" b="1" kern="1200" dirty="0">
-                <a:solidFill>
-                  <a:schemeClr val="tx1"/>
-                </a:solidFill>
-                <a:effectLst/>
-                <a:latin typeface="+mn-lt"/>
-                <a:ea typeface="+mn-ea"/>
-                <a:cs typeface="+mn-cs"/>
-              </a:rPr>
-              <a:t>normy</a:t>
-            </a:r>
-            <a:r>
-              <a:rPr lang="sk-SK" sz="1200" kern="1200" dirty="0">
-                <a:solidFill>
-                  <a:schemeClr val="tx1"/>
-                </a:solidFill>
-                <a:effectLst/>
-                <a:latin typeface="+mn-lt"/>
-                <a:ea typeface="+mn-ea"/>
-                <a:cs typeface="+mn-cs"/>
-              </a:rPr>
-              <a:t> ošetrujúce tento problém</a:t>
-            </a:r>
-          </a:p>
-          <a:p>
-            <a:endParaRPr lang="sk-SK" dirty="0"/>
+              <a:t>AK MA PRÍSPEVOK PRESVEDČÍ, ŽE MOSLIMOVIA NAPÁDAJÚ SLOVENSKO, BUDEM HLASOVAŤ ZA STRANU ČO CHCE UZAVRIET HRANICE?</a:t>
+            </a:r>
           </a:p>
         </p:txBody>
       </p:sp>
@@ -9589,7 +8739,7 @@
           <a:p>
             <a:fld id="{59A735E0-1A56-40B6-A953-4A03F1575F9D}" type="datetimeFigureOut">
               <a:rPr lang="sk-SK" smtClean="0"/>
-              <a:t>2. 11. 2019</a:t>
+              <a:t>12. 11. 2019</a:t>
             </a:fld>
             <a:endParaRPr lang="sk-SK"/>
           </a:p>
@@ -9787,7 +8937,7 @@
           <a:p>
             <a:fld id="{59A735E0-1A56-40B6-A953-4A03F1575F9D}" type="datetimeFigureOut">
               <a:rPr lang="sk-SK" smtClean="0"/>
-              <a:t>2. 11. 2019</a:t>
+              <a:t>12. 11. 2019</a:t>
             </a:fld>
             <a:endParaRPr lang="sk-SK"/>
           </a:p>
@@ -9995,7 +9145,7 @@
           <a:p>
             <a:fld id="{59A735E0-1A56-40B6-A953-4A03F1575F9D}" type="datetimeFigureOut">
               <a:rPr lang="sk-SK" smtClean="0"/>
-              <a:t>2. 11. 2019</a:t>
+              <a:t>12. 11. 2019</a:t>
             </a:fld>
             <a:endParaRPr lang="sk-SK"/>
           </a:p>
@@ -10193,7 +9343,7 @@
           <a:p>
             <a:fld id="{59A735E0-1A56-40B6-A953-4A03F1575F9D}" type="datetimeFigureOut">
               <a:rPr lang="sk-SK" smtClean="0"/>
-              <a:t>2. 11. 2019</a:t>
+              <a:t>12. 11. 2019</a:t>
             </a:fld>
             <a:endParaRPr lang="sk-SK"/>
           </a:p>
@@ -10468,7 +9618,7 @@
           <a:p>
             <a:fld id="{59A735E0-1A56-40B6-A953-4A03F1575F9D}" type="datetimeFigureOut">
               <a:rPr lang="sk-SK" smtClean="0"/>
-              <a:t>2. 11. 2019</a:t>
+              <a:t>12. 11. 2019</a:t>
             </a:fld>
             <a:endParaRPr lang="sk-SK"/>
           </a:p>
@@ -10733,7 +9883,7 @@
           <a:p>
             <a:fld id="{59A735E0-1A56-40B6-A953-4A03F1575F9D}" type="datetimeFigureOut">
               <a:rPr lang="sk-SK" smtClean="0"/>
-              <a:t>2. 11. 2019</a:t>
+              <a:t>12. 11. 2019</a:t>
             </a:fld>
             <a:endParaRPr lang="sk-SK"/>
           </a:p>
@@ -11145,7 +10295,7 @@
           <a:p>
             <a:fld id="{59A735E0-1A56-40B6-A953-4A03F1575F9D}" type="datetimeFigureOut">
               <a:rPr lang="sk-SK" smtClean="0"/>
-              <a:t>2. 11. 2019</a:t>
+              <a:t>12. 11. 2019</a:t>
             </a:fld>
             <a:endParaRPr lang="sk-SK"/>
           </a:p>
@@ -11286,7 +10436,7 @@
           <a:p>
             <a:fld id="{59A735E0-1A56-40B6-A953-4A03F1575F9D}" type="datetimeFigureOut">
               <a:rPr lang="sk-SK" smtClean="0"/>
-              <a:t>2. 11. 2019</a:t>
+              <a:t>12. 11. 2019</a:t>
             </a:fld>
             <a:endParaRPr lang="sk-SK"/>
           </a:p>
@@ -11399,7 +10549,7 @@
           <a:p>
             <a:fld id="{59A735E0-1A56-40B6-A953-4A03F1575F9D}" type="datetimeFigureOut">
               <a:rPr lang="sk-SK" smtClean="0"/>
-              <a:t>2. 11. 2019</a:t>
+              <a:t>12. 11. 2019</a:t>
             </a:fld>
             <a:endParaRPr lang="sk-SK"/>
           </a:p>
@@ -11710,7 +10860,7 @@
           <a:p>
             <a:fld id="{59A735E0-1A56-40B6-A953-4A03F1575F9D}" type="datetimeFigureOut">
               <a:rPr lang="sk-SK" smtClean="0"/>
-              <a:t>2. 11. 2019</a:t>
+              <a:t>12. 11. 2019</a:t>
             </a:fld>
             <a:endParaRPr lang="sk-SK"/>
           </a:p>
@@ -11998,7 +11148,7 @@
           <a:p>
             <a:fld id="{59A735E0-1A56-40B6-A953-4A03F1575F9D}" type="datetimeFigureOut">
               <a:rPr lang="sk-SK" smtClean="0"/>
-              <a:t>2. 11. 2019</a:t>
+              <a:t>12. 11. 2019</a:t>
             </a:fld>
             <a:endParaRPr lang="sk-SK"/>
           </a:p>
@@ -12239,7 +11389,7 @@
           <a:p>
             <a:fld id="{59A735E0-1A56-40B6-A953-4A03F1575F9D}" type="datetimeFigureOut">
               <a:rPr lang="sk-SK" smtClean="0"/>
-              <a:t>2. 11. 2019</a:t>
+              <a:t>12. 11. 2019</a:t>
             </a:fld>
             <a:endParaRPr lang="sk-SK"/>
           </a:p>
